--- a/HackathonPPP.pptx
+++ b/HackathonPPP.pptx
@@ -288,38 +288,37 @@
           <a:p>
             <a:pPr lvl="0"/>
             <a:r>
-              <a:rPr lang="en-US" smtClean="0"/>
+              <a:rPr lang="en-US"/>
               <a:t>Edit Master text styles</a:t>
             </a:r>
           </a:p>
           <a:p>
             <a:pPr lvl="1"/>
             <a:r>
-              <a:rPr lang="en-US" smtClean="0"/>
+              <a:rPr lang="en-US"/>
               <a:t>Second level</a:t>
             </a:r>
           </a:p>
           <a:p>
             <a:pPr lvl="2"/>
             <a:r>
-              <a:rPr lang="en-US" smtClean="0"/>
+              <a:rPr lang="en-US"/>
               <a:t>Third level</a:t>
             </a:r>
           </a:p>
           <a:p>
             <a:pPr lvl="3"/>
             <a:r>
-              <a:rPr lang="en-US" smtClean="0"/>
+              <a:rPr lang="en-US"/>
               <a:t>Fourth level</a:t>
             </a:r>
           </a:p>
           <a:p>
             <a:pPr lvl="4"/>
             <a:r>
-              <a:rPr lang="en-US" smtClean="0"/>
+              <a:rPr lang="en-US"/>
               <a:t>Fifth level</a:t>
             </a:r>
-            <a:endParaRPr lang="en-US"/>
           </a:p>
         </p:txBody>
       </p:sp>
@@ -542,7 +541,7 @@
           <a:noFill/>
           <a:extLst>
             <a:ext uri="{909E8E84-426E-40dd-AFC4-6F175D3DCCD1}">
-              <a14:hiddenFill xmlns:a14="http://schemas.microsoft.com/office/drawing/2010/main" xmlns="">
+              <a14:hiddenFill xmlns="" xmlns:a14="http://schemas.microsoft.com/office/drawing/2010/main">
                 <a:solidFill>
                   <a:srgbClr val="FFFFFF"/>
                 </a:solidFill>
@@ -602,7 +601,7 @@
             </a:ln>
             <a:extLst>
               <a:ext uri="{91240B29-F687-4f45-9708-019B960494DF}">
-                <a14:hiddenLine xmlns:a14="http://schemas.microsoft.com/office/drawing/2010/main" xmlns="" w="9525">
+                <a14:hiddenLine xmlns="" xmlns:a14="http://schemas.microsoft.com/office/drawing/2010/main" w="9525">
                   <a:solidFill>
                     <a:srgbClr val="000000"/>
                   </a:solidFill>
@@ -692,7 +691,7 @@
             </a:ln>
             <a:extLst>
               <a:ext uri="{91240B29-F687-4f45-9708-019B960494DF}">
-                <a14:hiddenLine xmlns:a14="http://schemas.microsoft.com/office/drawing/2010/main" xmlns="" w="9525">
+                <a14:hiddenLine xmlns="" xmlns:a14="http://schemas.microsoft.com/office/drawing/2010/main" w="9525">
                   <a:solidFill>
                     <a:srgbClr val="000000"/>
                   </a:solidFill>
@@ -782,7 +781,7 @@
             </a:ln>
             <a:extLst>
               <a:ext uri="{91240B29-F687-4f45-9708-019B960494DF}">
-                <a14:hiddenLine xmlns:a14="http://schemas.microsoft.com/office/drawing/2010/main" xmlns="" w="9525">
+                <a14:hiddenLine xmlns="" xmlns:a14="http://schemas.microsoft.com/office/drawing/2010/main" w="9525">
                   <a:solidFill>
                     <a:srgbClr val="000000"/>
                   </a:solidFill>
@@ -816,7 +815,7 @@
             </a:ln>
             <a:extLst>
               <a:ext uri="{91240B29-F687-4f45-9708-019B960494DF}">
-                <a14:hiddenLine xmlns:a14="http://schemas.microsoft.com/office/drawing/2010/main" xmlns="" w="9525">
+                <a14:hiddenLine xmlns="" xmlns:a14="http://schemas.microsoft.com/office/drawing/2010/main" w="9525">
                   <a:solidFill>
                     <a:srgbClr val="000000"/>
                   </a:solidFill>
@@ -906,7 +905,7 @@
             </a:ln>
             <a:extLst>
               <a:ext uri="{91240B29-F687-4f45-9708-019B960494DF}">
-                <a14:hiddenLine xmlns:a14="http://schemas.microsoft.com/office/drawing/2010/main" xmlns="" w="9525">
+                <a14:hiddenLine xmlns="" xmlns:a14="http://schemas.microsoft.com/office/drawing/2010/main" w="9525">
                   <a:solidFill>
                     <a:srgbClr val="000000"/>
                   </a:solidFill>
@@ -968,7 +967,7 @@
             </a:ln>
             <a:extLst>
               <a:ext uri="{91240B29-F687-4f45-9708-019B960494DF}">
-                <a14:hiddenLine xmlns:a14="http://schemas.microsoft.com/office/drawing/2010/main" xmlns="" w="9525">
+                <a14:hiddenLine xmlns="" xmlns:a14="http://schemas.microsoft.com/office/drawing/2010/main" w="9525">
                   <a:solidFill>
                     <a:srgbClr val="000000"/>
                   </a:solidFill>
@@ -1030,7 +1029,7 @@
             </a:ln>
             <a:extLst>
               <a:ext uri="{91240B29-F687-4f45-9708-019B960494DF}">
-                <a14:hiddenLine xmlns:a14="http://schemas.microsoft.com/office/drawing/2010/main" xmlns="" w="9525">
+                <a14:hiddenLine xmlns="" xmlns:a14="http://schemas.microsoft.com/office/drawing/2010/main" w="9525">
                   <a:solidFill>
                     <a:srgbClr val="000000"/>
                   </a:solidFill>
@@ -1120,7 +1119,7 @@
             </a:ln>
             <a:extLst>
               <a:ext uri="{91240B29-F687-4f45-9708-019B960494DF}">
-                <a14:hiddenLine xmlns:a14="http://schemas.microsoft.com/office/drawing/2010/main" xmlns="" w="9525">
+                <a14:hiddenLine xmlns="" xmlns:a14="http://schemas.microsoft.com/office/drawing/2010/main" w="9525">
                   <a:solidFill>
                     <a:srgbClr val="000000"/>
                   </a:solidFill>
@@ -1182,7 +1181,7 @@
             </a:ln>
             <a:extLst>
               <a:ext uri="{91240B29-F687-4f45-9708-019B960494DF}">
-                <a14:hiddenLine xmlns:a14="http://schemas.microsoft.com/office/drawing/2010/main" xmlns="" w="9525">
+                <a14:hiddenLine xmlns="" xmlns:a14="http://schemas.microsoft.com/office/drawing/2010/main" w="9525">
                   <a:solidFill>
                     <a:srgbClr val="000000"/>
                   </a:solidFill>
@@ -1244,7 +1243,7 @@
             </a:ln>
             <a:extLst>
               <a:ext uri="{91240B29-F687-4f45-9708-019B960494DF}">
-                <a14:hiddenLine xmlns:a14="http://schemas.microsoft.com/office/drawing/2010/main" xmlns="" w="9525">
+                <a14:hiddenLine xmlns="" xmlns:a14="http://schemas.microsoft.com/office/drawing/2010/main" w="9525">
                   <a:solidFill>
                     <a:srgbClr val="000000"/>
                   </a:solidFill>
@@ -1334,7 +1333,7 @@
             </a:ln>
             <a:extLst>
               <a:ext uri="{91240B29-F687-4f45-9708-019B960494DF}">
-                <a14:hiddenLine xmlns:a14="http://schemas.microsoft.com/office/drawing/2010/main" xmlns="" w="9525">
+                <a14:hiddenLine xmlns="" xmlns:a14="http://schemas.microsoft.com/office/drawing/2010/main" w="9525">
                   <a:solidFill>
                     <a:srgbClr val="000000"/>
                   </a:solidFill>
@@ -1424,7 +1423,7 @@
             </a:ln>
             <a:extLst>
               <a:ext uri="{91240B29-F687-4f45-9708-019B960494DF}">
-                <a14:hiddenLine xmlns:a14="http://schemas.microsoft.com/office/drawing/2010/main" xmlns="" w="9525">
+                <a14:hiddenLine xmlns="" xmlns:a14="http://schemas.microsoft.com/office/drawing/2010/main" w="9525">
                   <a:solidFill>
                     <a:srgbClr val="000000"/>
                   </a:solidFill>
@@ -1486,7 +1485,7 @@
             </a:ln>
             <a:extLst>
               <a:ext uri="{91240B29-F687-4f45-9708-019B960494DF}">
-                <a14:hiddenLine xmlns:a14="http://schemas.microsoft.com/office/drawing/2010/main" xmlns="" w="9525">
+                <a14:hiddenLine xmlns="" xmlns:a14="http://schemas.microsoft.com/office/drawing/2010/main" w="9525">
                   <a:solidFill>
                     <a:srgbClr val="000000"/>
                   </a:solidFill>
@@ -1596,7 +1595,7 @@
             </a:ln>
             <a:extLst>
               <a:ext uri="{91240B29-F687-4f45-9708-019B960494DF}">
-                <a14:hiddenLine xmlns:a14="http://schemas.microsoft.com/office/drawing/2010/main" xmlns="" w="9525">
+                <a14:hiddenLine xmlns="" xmlns:a14="http://schemas.microsoft.com/office/drawing/2010/main" w="9525">
                   <a:solidFill>
                     <a:srgbClr val="000000"/>
                   </a:solidFill>
@@ -1658,7 +1657,7 @@
             </a:ln>
             <a:extLst>
               <a:ext uri="{91240B29-F687-4f45-9708-019B960494DF}">
-                <a14:hiddenLine xmlns:a14="http://schemas.microsoft.com/office/drawing/2010/main" xmlns="" w="9525">
+                <a14:hiddenLine xmlns="" xmlns:a14="http://schemas.microsoft.com/office/drawing/2010/main" w="9525">
                   <a:solidFill>
                     <a:srgbClr val="000000"/>
                   </a:solidFill>
@@ -1748,7 +1747,7 @@
             </a:ln>
             <a:extLst>
               <a:ext uri="{91240B29-F687-4f45-9708-019B960494DF}">
-                <a14:hiddenLine xmlns:a14="http://schemas.microsoft.com/office/drawing/2010/main" xmlns="" w="9525">
+                <a14:hiddenLine xmlns="" xmlns:a14="http://schemas.microsoft.com/office/drawing/2010/main" w="9525">
                   <a:solidFill>
                     <a:srgbClr val="000000"/>
                   </a:solidFill>
@@ -1838,7 +1837,7 @@
             </a:ln>
             <a:extLst>
               <a:ext uri="{91240B29-F687-4f45-9708-019B960494DF}">
-                <a14:hiddenLine xmlns:a14="http://schemas.microsoft.com/office/drawing/2010/main" xmlns="" w="9525">
+                <a14:hiddenLine xmlns="" xmlns:a14="http://schemas.microsoft.com/office/drawing/2010/main" w="9525">
                   <a:solidFill>
                     <a:srgbClr val="000000"/>
                   </a:solidFill>
@@ -1900,7 +1899,7 @@
             </a:ln>
             <a:extLst>
               <a:ext uri="{91240B29-F687-4f45-9708-019B960494DF}">
-                <a14:hiddenLine xmlns:a14="http://schemas.microsoft.com/office/drawing/2010/main" xmlns="" w="9525">
+                <a14:hiddenLine xmlns="" xmlns:a14="http://schemas.microsoft.com/office/drawing/2010/main" w="9525">
                   <a:solidFill>
                     <a:srgbClr val="000000"/>
                   </a:solidFill>
@@ -1990,7 +1989,7 @@
             </a:ln>
             <a:extLst>
               <a:ext uri="{91240B29-F687-4f45-9708-019B960494DF}">
-                <a14:hiddenLine xmlns:a14="http://schemas.microsoft.com/office/drawing/2010/main" xmlns="" w="9525">
+                <a14:hiddenLine xmlns="" xmlns:a14="http://schemas.microsoft.com/office/drawing/2010/main" w="9525">
                   <a:solidFill>
                     <a:srgbClr val="000000"/>
                   </a:solidFill>
@@ -2080,7 +2079,7 @@
             </a:ln>
             <a:extLst>
               <a:ext uri="{91240B29-F687-4f45-9708-019B960494DF}">
-                <a14:hiddenLine xmlns:a14="http://schemas.microsoft.com/office/drawing/2010/main" xmlns="" w="9525">
+                <a14:hiddenLine xmlns="" xmlns:a14="http://schemas.microsoft.com/office/drawing/2010/main" w="9525">
                   <a:solidFill>
                     <a:srgbClr val="000000"/>
                   </a:solidFill>
@@ -2136,7 +2135,7 @@
             </a:ln>
             <a:extLst>
               <a:ext uri="{91240B29-F687-4f45-9708-019B960494DF}">
-                <a14:hiddenLine xmlns:a14="http://schemas.microsoft.com/office/drawing/2010/main" xmlns="" w="9525">
+                <a14:hiddenLine xmlns="" xmlns:a14="http://schemas.microsoft.com/office/drawing/2010/main" w="9525">
                   <a:solidFill>
                     <a:srgbClr val="000000"/>
                   </a:solidFill>
@@ -2226,7 +2225,7 @@
             </a:ln>
             <a:extLst>
               <a:ext uri="{91240B29-F687-4f45-9708-019B960494DF}">
-                <a14:hiddenLine xmlns:a14="http://schemas.microsoft.com/office/drawing/2010/main" xmlns="" w="9525">
+                <a14:hiddenLine xmlns="" xmlns:a14="http://schemas.microsoft.com/office/drawing/2010/main" w="9525">
                   <a:solidFill>
                     <a:srgbClr val="000000"/>
                   </a:solidFill>
@@ -2282,7 +2281,7 @@
             </a:ln>
             <a:extLst>
               <a:ext uri="{91240B29-F687-4f45-9708-019B960494DF}">
-                <a14:hiddenLine xmlns:a14="http://schemas.microsoft.com/office/drawing/2010/main" xmlns="" w="9525">
+                <a14:hiddenLine xmlns="" xmlns:a14="http://schemas.microsoft.com/office/drawing/2010/main" w="9525">
                   <a:solidFill>
                     <a:srgbClr val="000000"/>
                   </a:solidFill>
@@ -2372,7 +2371,7 @@
             </a:ln>
             <a:extLst>
               <a:ext uri="{91240B29-F687-4f45-9708-019B960494DF}">
-                <a14:hiddenLine xmlns:a14="http://schemas.microsoft.com/office/drawing/2010/main" xmlns="" w="9525">
+                <a14:hiddenLine xmlns="" xmlns:a14="http://schemas.microsoft.com/office/drawing/2010/main" w="9525">
                   <a:solidFill>
                     <a:srgbClr val="000000"/>
                   </a:solidFill>
@@ -2440,7 +2439,7 @@
             </a:ln>
             <a:extLst>
               <a:ext uri="{91240B29-F687-4f45-9708-019B960494DF}">
-                <a14:hiddenLine xmlns:a14="http://schemas.microsoft.com/office/drawing/2010/main" xmlns="" w="9525">
+                <a14:hiddenLine xmlns="" xmlns:a14="http://schemas.microsoft.com/office/drawing/2010/main" w="9525">
                   <a:solidFill>
                     <a:srgbClr val="000000"/>
                   </a:solidFill>
@@ -2530,7 +2529,7 @@
             </a:ln>
             <a:extLst>
               <a:ext uri="{91240B29-F687-4f45-9708-019B960494DF}">
-                <a14:hiddenLine xmlns:a14="http://schemas.microsoft.com/office/drawing/2010/main" xmlns="" w="9525">
+                <a14:hiddenLine xmlns="" xmlns:a14="http://schemas.microsoft.com/office/drawing/2010/main" w="9525">
                   <a:solidFill>
                     <a:srgbClr val="000000"/>
                   </a:solidFill>
@@ -2598,7 +2597,7 @@
             </a:ln>
             <a:extLst>
               <a:ext uri="{91240B29-F687-4f45-9708-019B960494DF}">
-                <a14:hiddenLine xmlns:a14="http://schemas.microsoft.com/office/drawing/2010/main" xmlns="" w="9525">
+                <a14:hiddenLine xmlns="" xmlns:a14="http://schemas.microsoft.com/office/drawing/2010/main" w="9525">
                   <a:solidFill>
                     <a:srgbClr val="000000"/>
                   </a:solidFill>
@@ -2688,7 +2687,7 @@
             </a:ln>
             <a:extLst>
               <a:ext uri="{91240B29-F687-4f45-9708-019B960494DF}">
-                <a14:hiddenLine xmlns:a14="http://schemas.microsoft.com/office/drawing/2010/main" xmlns="" w="9525">
+                <a14:hiddenLine xmlns="" xmlns:a14="http://schemas.microsoft.com/office/drawing/2010/main" w="9525">
                   <a:solidFill>
                     <a:srgbClr val="000000"/>
                   </a:solidFill>
@@ -2722,7 +2721,7 @@
             </a:ln>
             <a:extLst>
               <a:ext uri="{91240B29-F687-4f45-9708-019B960494DF}">
-                <a14:hiddenLine xmlns:a14="http://schemas.microsoft.com/office/drawing/2010/main" xmlns="" w="9525">
+                <a14:hiddenLine xmlns="" xmlns:a14="http://schemas.microsoft.com/office/drawing/2010/main" w="9525">
                   <a:solidFill>
                     <a:srgbClr val="000000"/>
                   </a:solidFill>
@@ -2812,7 +2811,7 @@
             </a:ln>
             <a:extLst>
               <a:ext uri="{91240B29-F687-4f45-9708-019B960494DF}">
-                <a14:hiddenLine xmlns:a14="http://schemas.microsoft.com/office/drawing/2010/main" xmlns="" w="9525">
+                <a14:hiddenLine xmlns="" xmlns:a14="http://schemas.microsoft.com/office/drawing/2010/main" w="9525">
                   <a:solidFill>
                     <a:srgbClr val="000000"/>
                   </a:solidFill>
@@ -2874,7 +2873,7 @@
             </a:ln>
             <a:extLst>
               <a:ext uri="{91240B29-F687-4f45-9708-019B960494DF}">
-                <a14:hiddenLine xmlns:a14="http://schemas.microsoft.com/office/drawing/2010/main" xmlns="" w="9525">
+                <a14:hiddenLine xmlns="" xmlns:a14="http://schemas.microsoft.com/office/drawing/2010/main" w="9525">
                   <a:solidFill>
                     <a:srgbClr val="000000"/>
                   </a:solidFill>
@@ -2936,7 +2935,7 @@
             </a:ln>
             <a:extLst>
               <a:ext uri="{91240B29-F687-4f45-9708-019B960494DF}">
-                <a14:hiddenLine xmlns:a14="http://schemas.microsoft.com/office/drawing/2010/main" xmlns="" w="9525">
+                <a14:hiddenLine xmlns="" xmlns:a14="http://schemas.microsoft.com/office/drawing/2010/main" w="9525">
                   <a:solidFill>
                     <a:srgbClr val="000000"/>
                   </a:solidFill>
@@ -3026,7 +3025,7 @@
             </a:ln>
             <a:extLst>
               <a:ext uri="{91240B29-F687-4f45-9708-019B960494DF}">
-                <a14:hiddenLine xmlns:a14="http://schemas.microsoft.com/office/drawing/2010/main" xmlns="" w="9525">
+                <a14:hiddenLine xmlns="" xmlns:a14="http://schemas.microsoft.com/office/drawing/2010/main" w="9525">
                   <a:solidFill>
                     <a:srgbClr val="000000"/>
                   </a:solidFill>
@@ -3094,7 +3093,7 @@
             </a:ln>
             <a:extLst>
               <a:ext uri="{91240B29-F687-4f45-9708-019B960494DF}">
-                <a14:hiddenLine xmlns:a14="http://schemas.microsoft.com/office/drawing/2010/main" xmlns="" w="9525">
+                <a14:hiddenLine xmlns="" xmlns:a14="http://schemas.microsoft.com/office/drawing/2010/main" w="9525">
                   <a:solidFill>
                     <a:srgbClr val="000000"/>
                   </a:solidFill>
@@ -3156,7 +3155,7 @@
             </a:ln>
             <a:extLst>
               <a:ext uri="{91240B29-F687-4f45-9708-019B960494DF}">
-                <a14:hiddenLine xmlns:a14="http://schemas.microsoft.com/office/drawing/2010/main" xmlns="" w="9525">
+                <a14:hiddenLine xmlns="" xmlns:a14="http://schemas.microsoft.com/office/drawing/2010/main" w="9525">
                   <a:solidFill>
                     <a:srgbClr val="000000"/>
                   </a:solidFill>
@@ -3246,7 +3245,7 @@
             </a:ln>
             <a:extLst>
               <a:ext uri="{91240B29-F687-4f45-9708-019B960494DF}">
-                <a14:hiddenLine xmlns:a14="http://schemas.microsoft.com/office/drawing/2010/main" xmlns="" w="9525">
+                <a14:hiddenLine xmlns="" xmlns:a14="http://schemas.microsoft.com/office/drawing/2010/main" w="9525">
                   <a:solidFill>
                     <a:srgbClr val="000000"/>
                   </a:solidFill>
@@ -3308,7 +3307,7 @@
             </a:ln>
             <a:extLst>
               <a:ext uri="{91240B29-F687-4f45-9708-019B960494DF}">
-                <a14:hiddenLine xmlns:a14="http://schemas.microsoft.com/office/drawing/2010/main" xmlns="" w="9525">
+                <a14:hiddenLine xmlns="" xmlns:a14="http://schemas.microsoft.com/office/drawing/2010/main" w="9525">
                   <a:solidFill>
                     <a:srgbClr val="000000"/>
                   </a:solidFill>
@@ -3398,7 +3397,7 @@
             </a:ln>
             <a:extLst>
               <a:ext uri="{91240B29-F687-4f45-9708-019B960494DF}">
-                <a14:hiddenLine xmlns:a14="http://schemas.microsoft.com/office/drawing/2010/main" xmlns="" w="9525">
+                <a14:hiddenLine xmlns="" xmlns:a14="http://schemas.microsoft.com/office/drawing/2010/main" w="9525">
                   <a:solidFill>
                     <a:srgbClr val="000000"/>
                   </a:solidFill>
@@ -3460,7 +3459,7 @@
             </a:ln>
             <a:extLst>
               <a:ext uri="{91240B29-F687-4f45-9708-019B960494DF}">
-                <a14:hiddenLine xmlns:a14="http://schemas.microsoft.com/office/drawing/2010/main" xmlns="" w="9525">
+                <a14:hiddenLine xmlns="" xmlns:a14="http://schemas.microsoft.com/office/drawing/2010/main" w="9525">
                   <a:solidFill>
                     <a:srgbClr val="000000"/>
                   </a:solidFill>
@@ -3550,7 +3549,7 @@
             </a:ln>
             <a:extLst>
               <a:ext uri="{91240B29-F687-4f45-9708-019B960494DF}">
-                <a14:hiddenLine xmlns:a14="http://schemas.microsoft.com/office/drawing/2010/main" xmlns="" w="9525">
+                <a14:hiddenLine xmlns="" xmlns:a14="http://schemas.microsoft.com/office/drawing/2010/main" w="9525">
                   <a:solidFill>
                     <a:srgbClr val="000000"/>
                   </a:solidFill>
@@ -3584,7 +3583,7 @@
             </a:ln>
             <a:extLst>
               <a:ext uri="{91240B29-F687-4f45-9708-019B960494DF}">
-                <a14:hiddenLine xmlns:a14="http://schemas.microsoft.com/office/drawing/2010/main" xmlns="" w="9525">
+                <a14:hiddenLine xmlns="" xmlns:a14="http://schemas.microsoft.com/office/drawing/2010/main" w="9525">
                   <a:solidFill>
                     <a:srgbClr val="000000"/>
                   </a:solidFill>
@@ -3649,7 +3648,7 @@
             </a:ln>
             <a:extLst>
               <a:ext uri="{91240B29-F687-4f45-9708-019B960494DF}">
-                <a14:hiddenLine xmlns:a14="http://schemas.microsoft.com/office/drawing/2010/main" xmlns="" w="9525">
+                <a14:hiddenLine xmlns="" xmlns:a14="http://schemas.microsoft.com/office/drawing/2010/main" w="9525">
                   <a:solidFill>
                     <a:srgbClr val="000000"/>
                   </a:solidFill>
@@ -3739,7 +3738,7 @@
             </a:ln>
             <a:extLst>
               <a:ext uri="{91240B29-F687-4f45-9708-019B960494DF}">
-                <a14:hiddenLine xmlns:a14="http://schemas.microsoft.com/office/drawing/2010/main" xmlns="" w="9525">
+                <a14:hiddenLine xmlns="" xmlns:a14="http://schemas.microsoft.com/office/drawing/2010/main" w="9525">
                   <a:solidFill>
                     <a:srgbClr val="000000"/>
                   </a:solidFill>
@@ -3801,7 +3800,7 @@
             </a:ln>
             <a:extLst>
               <a:ext uri="{91240B29-F687-4f45-9708-019B960494DF}">
-                <a14:hiddenLine xmlns:a14="http://schemas.microsoft.com/office/drawing/2010/main" xmlns="" w="9525">
+                <a14:hiddenLine xmlns="" xmlns:a14="http://schemas.microsoft.com/office/drawing/2010/main" w="9525">
                   <a:solidFill>
                     <a:srgbClr val="000000"/>
                   </a:solidFill>
@@ -3891,7 +3890,7 @@
             </a:ln>
             <a:extLst>
               <a:ext uri="{91240B29-F687-4f45-9708-019B960494DF}">
-                <a14:hiddenLine xmlns:a14="http://schemas.microsoft.com/office/drawing/2010/main" xmlns="" w="9525">
+                <a14:hiddenLine xmlns="" xmlns:a14="http://schemas.microsoft.com/office/drawing/2010/main" w="9525">
                   <a:solidFill>
                     <a:srgbClr val="000000"/>
                   </a:solidFill>
@@ -3981,7 +3980,7 @@
             </a:ln>
             <a:extLst>
               <a:ext uri="{91240B29-F687-4f45-9708-019B960494DF}">
-                <a14:hiddenLine xmlns:a14="http://schemas.microsoft.com/office/drawing/2010/main" xmlns="" w="9525">
+                <a14:hiddenLine xmlns="" xmlns:a14="http://schemas.microsoft.com/office/drawing/2010/main" w="9525">
                   <a:solidFill>
                     <a:srgbClr val="000000"/>
                   </a:solidFill>
@@ -4046,7 +4045,7 @@
             </a:ln>
             <a:extLst>
               <a:ext uri="{91240B29-F687-4f45-9708-019B960494DF}">
-                <a14:hiddenLine xmlns:a14="http://schemas.microsoft.com/office/drawing/2010/main" xmlns="" w="9525">
+                <a14:hiddenLine xmlns="" xmlns:a14="http://schemas.microsoft.com/office/drawing/2010/main" w="9525">
                   <a:solidFill>
                     <a:srgbClr val="000000"/>
                   </a:solidFill>
@@ -4108,7 +4107,7 @@
             </a:ln>
             <a:extLst>
               <a:ext uri="{91240B29-F687-4f45-9708-019B960494DF}">
-                <a14:hiddenLine xmlns:a14="http://schemas.microsoft.com/office/drawing/2010/main" xmlns="" w="9525">
+                <a14:hiddenLine xmlns="" xmlns:a14="http://schemas.microsoft.com/office/drawing/2010/main" w="9525">
                   <a:solidFill>
                     <a:srgbClr val="000000"/>
                   </a:solidFill>
@@ -4198,7 +4197,7 @@
             </a:ln>
             <a:extLst>
               <a:ext uri="{91240B29-F687-4f45-9708-019B960494DF}">
-                <a14:hiddenLine xmlns:a14="http://schemas.microsoft.com/office/drawing/2010/main" xmlns="" w="9525">
+                <a14:hiddenLine xmlns="" xmlns:a14="http://schemas.microsoft.com/office/drawing/2010/main" w="9525">
                   <a:solidFill>
                     <a:srgbClr val="000000"/>
                   </a:solidFill>
@@ -4288,7 +4287,7 @@
             </a:ln>
             <a:extLst>
               <a:ext uri="{91240B29-F687-4f45-9708-019B960494DF}">
-                <a14:hiddenLine xmlns:a14="http://schemas.microsoft.com/office/drawing/2010/main" xmlns="" w="9525">
+                <a14:hiddenLine xmlns="" xmlns:a14="http://schemas.microsoft.com/office/drawing/2010/main" w="9525">
                   <a:solidFill>
                     <a:srgbClr val="000000"/>
                   </a:solidFill>
@@ -4350,7 +4349,7 @@
             </a:ln>
             <a:extLst>
               <a:ext uri="{91240B29-F687-4f45-9708-019B960494DF}">
-                <a14:hiddenLine xmlns:a14="http://schemas.microsoft.com/office/drawing/2010/main" xmlns="" w="9525">
+                <a14:hiddenLine xmlns="" xmlns:a14="http://schemas.microsoft.com/office/drawing/2010/main" w="9525">
                   <a:solidFill>
                     <a:srgbClr val="000000"/>
                   </a:solidFill>
@@ -4470,7 +4469,7 @@
             </a:ln>
             <a:extLst>
               <a:ext uri="{91240B29-F687-4f45-9708-019B960494DF}">
-                <a14:hiddenLine xmlns:a14="http://schemas.microsoft.com/office/drawing/2010/main" xmlns="" w="9525">
+                <a14:hiddenLine xmlns="" xmlns:a14="http://schemas.microsoft.com/office/drawing/2010/main" w="9525">
                   <a:solidFill>
                     <a:srgbClr val="000000"/>
                   </a:solidFill>
@@ -4538,7 +4537,7 @@
             </a:ln>
             <a:extLst>
               <a:ext uri="{91240B29-F687-4f45-9708-019B960494DF}">
-                <a14:hiddenLine xmlns:a14="http://schemas.microsoft.com/office/drawing/2010/main" xmlns="" w="9525">
+                <a14:hiddenLine xmlns="" xmlns:a14="http://schemas.microsoft.com/office/drawing/2010/main" w="9525">
                   <a:solidFill>
                     <a:srgbClr val="000000"/>
                   </a:solidFill>
@@ -4628,7 +4627,7 @@
             </a:ln>
             <a:extLst>
               <a:ext uri="{91240B29-F687-4f45-9708-019B960494DF}">
-                <a14:hiddenLine xmlns:a14="http://schemas.microsoft.com/office/drawing/2010/main" xmlns="" w="9525">
+                <a14:hiddenLine xmlns="" xmlns:a14="http://schemas.microsoft.com/office/drawing/2010/main" w="9525">
                   <a:solidFill>
                     <a:srgbClr val="000000"/>
                   </a:solidFill>
@@ -9350,7 +9349,7 @@
           <a:noFill/>
           <a:extLst>
             <a:ext uri="{909E8E84-426E-40dd-AFC4-6F175D3DCCD1}">
-              <a14:hiddenFill xmlns:a14="http://schemas.microsoft.com/office/drawing/2010/main" xmlns="">
+              <a14:hiddenFill xmlns="" xmlns:a14="http://schemas.microsoft.com/office/drawing/2010/main">
                 <a:solidFill>
                   <a:srgbClr val="FFFFFF"/>
                 </a:solidFill>
@@ -9424,7 +9423,7 @@
               </a:ln>
               <a:extLst>
                 <a:ext uri="{91240B29-F687-4f45-9708-019B960494DF}">
-                  <a14:hiddenLine xmlns:a14="http://schemas.microsoft.com/office/drawing/2010/main" xmlns="" w="9525">
+                  <a14:hiddenLine xmlns="" xmlns:a14="http://schemas.microsoft.com/office/drawing/2010/main" w="9525">
                     <a:solidFill>
                       <a:srgbClr val="000000"/>
                     </a:solidFill>
@@ -9514,7 +9513,7 @@
               </a:ln>
               <a:extLst>
                 <a:ext uri="{91240B29-F687-4f45-9708-019B960494DF}">
-                  <a14:hiddenLine xmlns:a14="http://schemas.microsoft.com/office/drawing/2010/main" xmlns="" w="9525">
+                  <a14:hiddenLine xmlns="" xmlns:a14="http://schemas.microsoft.com/office/drawing/2010/main" w="9525">
                     <a:solidFill>
                       <a:srgbClr val="000000"/>
                     </a:solidFill>
@@ -9604,7 +9603,7 @@
               </a:ln>
               <a:extLst>
                 <a:ext uri="{91240B29-F687-4f45-9708-019B960494DF}">
-                  <a14:hiddenLine xmlns:a14="http://schemas.microsoft.com/office/drawing/2010/main" xmlns="" w="9525">
+                  <a14:hiddenLine xmlns="" xmlns:a14="http://schemas.microsoft.com/office/drawing/2010/main" w="9525">
                     <a:solidFill>
                       <a:srgbClr val="000000"/>
                     </a:solidFill>
@@ -9666,7 +9665,7 @@
               </a:ln>
               <a:extLst>
                 <a:ext uri="{91240B29-F687-4f45-9708-019B960494DF}">
-                  <a14:hiddenLine xmlns:a14="http://schemas.microsoft.com/office/drawing/2010/main" xmlns="" w="9525">
+                  <a14:hiddenLine xmlns="" xmlns:a14="http://schemas.microsoft.com/office/drawing/2010/main" w="9525">
                     <a:solidFill>
                       <a:srgbClr val="000000"/>
                     </a:solidFill>
@@ -9756,7 +9755,7 @@
               </a:ln>
               <a:extLst>
                 <a:ext uri="{91240B29-F687-4f45-9708-019B960494DF}">
-                  <a14:hiddenLine xmlns:a14="http://schemas.microsoft.com/office/drawing/2010/main" xmlns="" w="9525">
+                  <a14:hiddenLine xmlns="" xmlns:a14="http://schemas.microsoft.com/office/drawing/2010/main" w="9525">
                     <a:solidFill>
                       <a:srgbClr val="000000"/>
                     </a:solidFill>
@@ -9818,7 +9817,7 @@
               </a:ln>
               <a:extLst>
                 <a:ext uri="{91240B29-F687-4f45-9708-019B960494DF}">
-                  <a14:hiddenLine xmlns:a14="http://schemas.microsoft.com/office/drawing/2010/main" xmlns="" w="9525">
+                  <a14:hiddenLine xmlns="" xmlns:a14="http://schemas.microsoft.com/office/drawing/2010/main" w="9525">
                     <a:solidFill>
                       <a:srgbClr val="000000"/>
                     </a:solidFill>
@@ -9880,7 +9879,7 @@
               </a:ln>
               <a:extLst>
                 <a:ext uri="{91240B29-F687-4f45-9708-019B960494DF}">
-                  <a14:hiddenLine xmlns:a14="http://schemas.microsoft.com/office/drawing/2010/main" xmlns="" w="9525">
+                  <a14:hiddenLine xmlns="" xmlns:a14="http://schemas.microsoft.com/office/drawing/2010/main" w="9525">
                     <a:solidFill>
                       <a:srgbClr val="000000"/>
                     </a:solidFill>
@@ -9970,7 +9969,7 @@
               </a:ln>
               <a:extLst>
                 <a:ext uri="{91240B29-F687-4f45-9708-019B960494DF}">
-                  <a14:hiddenLine xmlns:a14="http://schemas.microsoft.com/office/drawing/2010/main" xmlns="" w="9525">
+                  <a14:hiddenLine xmlns="" xmlns:a14="http://schemas.microsoft.com/office/drawing/2010/main" w="9525">
                     <a:solidFill>
                       <a:srgbClr val="000000"/>
                     </a:solidFill>
@@ -10060,7 +10059,7 @@
               </a:ln>
               <a:extLst>
                 <a:ext uri="{91240B29-F687-4f45-9708-019B960494DF}">
-                  <a14:hiddenLine xmlns:a14="http://schemas.microsoft.com/office/drawing/2010/main" xmlns="" w="9525">
+                  <a14:hiddenLine xmlns="" xmlns:a14="http://schemas.microsoft.com/office/drawing/2010/main" w="9525">
                     <a:solidFill>
                       <a:srgbClr val="000000"/>
                     </a:solidFill>
@@ -10122,7 +10121,7 @@
               </a:ln>
               <a:extLst>
                 <a:ext uri="{91240B29-F687-4f45-9708-019B960494DF}">
-                  <a14:hiddenLine xmlns:a14="http://schemas.microsoft.com/office/drawing/2010/main" xmlns="" w="9525">
+                  <a14:hiddenLine xmlns="" xmlns:a14="http://schemas.microsoft.com/office/drawing/2010/main" w="9525">
                     <a:solidFill>
                       <a:srgbClr val="000000"/>
                     </a:solidFill>
@@ -10232,7 +10231,7 @@
               </a:ln>
               <a:extLst>
                 <a:ext uri="{91240B29-F687-4f45-9708-019B960494DF}">
-                  <a14:hiddenLine xmlns:a14="http://schemas.microsoft.com/office/drawing/2010/main" xmlns="" w="9525">
+                  <a14:hiddenLine xmlns="" xmlns:a14="http://schemas.microsoft.com/office/drawing/2010/main" w="9525">
                     <a:solidFill>
                       <a:srgbClr val="000000"/>
                     </a:solidFill>
@@ -10316,7 +10315,7 @@
               </a:ln>
               <a:extLst>
                 <a:ext uri="{91240B29-F687-4f45-9708-019B960494DF}">
-                  <a14:hiddenLine xmlns:a14="http://schemas.microsoft.com/office/drawing/2010/main" xmlns="" w="9525">
+                  <a14:hiddenLine xmlns="" xmlns:a14="http://schemas.microsoft.com/office/drawing/2010/main" w="9525">
                     <a:solidFill>
                       <a:srgbClr val="000000"/>
                     </a:solidFill>
@@ -10378,7 +10377,7 @@
               </a:ln>
               <a:extLst>
                 <a:ext uri="{91240B29-F687-4f45-9708-019B960494DF}">
-                  <a14:hiddenLine xmlns:a14="http://schemas.microsoft.com/office/drawing/2010/main" xmlns="" w="9525">
+                  <a14:hiddenLine xmlns="" xmlns:a14="http://schemas.microsoft.com/office/drawing/2010/main" w="9525">
                     <a:solidFill>
                       <a:srgbClr val="000000"/>
                     </a:solidFill>
@@ -10440,7 +10439,7 @@
               </a:ln>
               <a:extLst>
                 <a:ext uri="{91240B29-F687-4f45-9708-019B960494DF}">
-                  <a14:hiddenLine xmlns:a14="http://schemas.microsoft.com/office/drawing/2010/main" xmlns="" w="9525">
+                  <a14:hiddenLine xmlns="" xmlns:a14="http://schemas.microsoft.com/office/drawing/2010/main" w="9525">
                     <a:solidFill>
                       <a:srgbClr val="000000"/>
                     </a:solidFill>
@@ -10530,7 +10529,7 @@
               </a:ln>
               <a:extLst>
                 <a:ext uri="{91240B29-F687-4f45-9708-019B960494DF}">
-                  <a14:hiddenLine xmlns:a14="http://schemas.microsoft.com/office/drawing/2010/main" xmlns="" w="9525">
+                  <a14:hiddenLine xmlns="" xmlns:a14="http://schemas.microsoft.com/office/drawing/2010/main" w="9525">
                     <a:solidFill>
                       <a:srgbClr val="000000"/>
                     </a:solidFill>
@@ -10564,7 +10563,7 @@
               </a:ln>
               <a:extLst>
                 <a:ext uri="{91240B29-F687-4f45-9708-019B960494DF}">
-                  <a14:hiddenLine xmlns:a14="http://schemas.microsoft.com/office/drawing/2010/main" xmlns="" w="9525">
+                  <a14:hiddenLine xmlns="" xmlns:a14="http://schemas.microsoft.com/office/drawing/2010/main" w="9525">
                     <a:solidFill>
                       <a:srgbClr val="000000"/>
                     </a:solidFill>
@@ -10629,7 +10628,7 @@
               </a:ln>
               <a:extLst>
                 <a:ext uri="{91240B29-F687-4f45-9708-019B960494DF}">
-                  <a14:hiddenLine xmlns:a14="http://schemas.microsoft.com/office/drawing/2010/main" xmlns="" w="9525">
+                  <a14:hiddenLine xmlns="" xmlns:a14="http://schemas.microsoft.com/office/drawing/2010/main" w="9525">
                     <a:solidFill>
                       <a:srgbClr val="000000"/>
                     </a:solidFill>
@@ -10719,7 +10718,7 @@
               </a:ln>
               <a:extLst>
                 <a:ext uri="{91240B29-F687-4f45-9708-019B960494DF}">
-                  <a14:hiddenLine xmlns:a14="http://schemas.microsoft.com/office/drawing/2010/main" xmlns="" w="9525">
+                  <a14:hiddenLine xmlns="" xmlns:a14="http://schemas.microsoft.com/office/drawing/2010/main" w="9525">
                     <a:solidFill>
                       <a:srgbClr val="000000"/>
                     </a:solidFill>
@@ -10781,7 +10780,7 @@
               </a:ln>
               <a:extLst>
                 <a:ext uri="{91240B29-F687-4f45-9708-019B960494DF}">
-                  <a14:hiddenLine xmlns:a14="http://schemas.microsoft.com/office/drawing/2010/main" xmlns="" w="9525">
+                  <a14:hiddenLine xmlns="" xmlns:a14="http://schemas.microsoft.com/office/drawing/2010/main" w="9525">
                     <a:solidFill>
                       <a:srgbClr val="000000"/>
                     </a:solidFill>
@@ -10871,7 +10870,7 @@
               </a:ln>
               <a:extLst>
                 <a:ext uri="{91240B29-F687-4f45-9708-019B960494DF}">
-                  <a14:hiddenLine xmlns:a14="http://schemas.microsoft.com/office/drawing/2010/main" xmlns="" w="9525">
+                  <a14:hiddenLine xmlns="" xmlns:a14="http://schemas.microsoft.com/office/drawing/2010/main" w="9525">
                     <a:solidFill>
                       <a:srgbClr val="000000"/>
                     </a:solidFill>
@@ -10936,7 +10935,7 @@
               </a:ln>
               <a:extLst>
                 <a:ext uri="{91240B29-F687-4f45-9708-019B960494DF}">
-                  <a14:hiddenLine xmlns:a14="http://schemas.microsoft.com/office/drawing/2010/main" xmlns="" w="9525">
+                  <a14:hiddenLine xmlns="" xmlns:a14="http://schemas.microsoft.com/office/drawing/2010/main" w="9525">
                     <a:solidFill>
                       <a:srgbClr val="000000"/>
                     </a:solidFill>
@@ -10998,7 +10997,7 @@
               </a:ln>
               <a:extLst>
                 <a:ext uri="{91240B29-F687-4f45-9708-019B960494DF}">
-                  <a14:hiddenLine xmlns:a14="http://schemas.microsoft.com/office/drawing/2010/main" xmlns="" w="9525">
+                  <a14:hiddenLine xmlns="" xmlns:a14="http://schemas.microsoft.com/office/drawing/2010/main" w="9525">
                     <a:solidFill>
                       <a:srgbClr val="000000"/>
                     </a:solidFill>
@@ -11088,7 +11087,7 @@
               </a:ln>
               <a:extLst>
                 <a:ext uri="{91240B29-F687-4f45-9708-019B960494DF}">
-                  <a14:hiddenLine xmlns:a14="http://schemas.microsoft.com/office/drawing/2010/main" xmlns="" w="9525">
+                  <a14:hiddenLine xmlns="" xmlns:a14="http://schemas.microsoft.com/office/drawing/2010/main" w="9525">
                     <a:solidFill>
                       <a:srgbClr val="000000"/>
                     </a:solidFill>
@@ -11178,7 +11177,7 @@
               </a:ln>
               <a:extLst>
                 <a:ext uri="{91240B29-F687-4f45-9708-019B960494DF}">
-                  <a14:hiddenLine xmlns:a14="http://schemas.microsoft.com/office/drawing/2010/main" xmlns="" w="9525">
+                  <a14:hiddenLine xmlns="" xmlns:a14="http://schemas.microsoft.com/office/drawing/2010/main" w="9525">
                     <a:solidFill>
                       <a:srgbClr val="000000"/>
                     </a:solidFill>
@@ -11243,7 +11242,7 @@
               </a:ln>
               <a:extLst>
                 <a:ext uri="{91240B29-F687-4f45-9708-019B960494DF}">
-                  <a14:hiddenLine xmlns:a14="http://schemas.microsoft.com/office/drawing/2010/main" xmlns="" w="9525">
+                  <a14:hiddenLine xmlns="" xmlns:a14="http://schemas.microsoft.com/office/drawing/2010/main" w="9525">
                     <a:solidFill>
                       <a:srgbClr val="000000"/>
                     </a:solidFill>
@@ -11363,7 +11362,7 @@
               </a:ln>
               <a:extLst>
                 <a:ext uri="{91240B29-F687-4f45-9708-019B960494DF}">
-                  <a14:hiddenLine xmlns:a14="http://schemas.microsoft.com/office/drawing/2010/main" xmlns="" w="9525">
+                  <a14:hiddenLine xmlns="" xmlns:a14="http://schemas.microsoft.com/office/drawing/2010/main" w="9525">
                     <a:solidFill>
                       <a:srgbClr val="000000"/>
                     </a:solidFill>
@@ -11461,7 +11460,7 @@
               </a:ln>
               <a:extLst>
                 <a:ext uri="{91240B29-F687-4f45-9708-019B960494DF}">
-                  <a14:hiddenLine xmlns:a14="http://schemas.microsoft.com/office/drawing/2010/main" xmlns="" w="9525">
+                  <a14:hiddenLine xmlns="" xmlns:a14="http://schemas.microsoft.com/office/drawing/2010/main" w="9525">
                     <a:solidFill>
                       <a:srgbClr val="000000"/>
                     </a:solidFill>
@@ -11576,7 +11575,7 @@
               </a:ln>
               <a:extLst>
                 <a:ext uri="{91240B29-F687-4f45-9708-019B960494DF}">
-                  <a14:hiddenLine xmlns:a14="http://schemas.microsoft.com/office/drawing/2010/main" xmlns="" w="9525">
+                  <a14:hiddenLine xmlns="" xmlns:a14="http://schemas.microsoft.com/office/drawing/2010/main" w="9525">
                     <a:solidFill>
                       <a:srgbClr val="000000"/>
                     </a:solidFill>
@@ -11666,7 +11665,7 @@
               </a:ln>
               <a:extLst>
                 <a:ext uri="{91240B29-F687-4f45-9708-019B960494DF}">
-                  <a14:hiddenLine xmlns:a14="http://schemas.microsoft.com/office/drawing/2010/main" xmlns="" w="9525">
+                  <a14:hiddenLine xmlns="" xmlns:a14="http://schemas.microsoft.com/office/drawing/2010/main" w="9525">
                     <a:solidFill>
                       <a:srgbClr val="000000"/>
                     </a:solidFill>
@@ -11731,7 +11730,7 @@
               </a:ln>
               <a:extLst>
                 <a:ext uri="{91240B29-F687-4f45-9708-019B960494DF}">
-                  <a14:hiddenLine xmlns:a14="http://schemas.microsoft.com/office/drawing/2010/main" xmlns="" w="9525">
+                  <a14:hiddenLine xmlns="" xmlns:a14="http://schemas.microsoft.com/office/drawing/2010/main" w="9525">
                     <a:solidFill>
                       <a:srgbClr val="000000"/>
                     </a:solidFill>
@@ -11821,7 +11820,7 @@
               </a:ln>
               <a:extLst>
                 <a:ext uri="{91240B29-F687-4f45-9708-019B960494DF}">
-                  <a14:hiddenLine xmlns:a14="http://schemas.microsoft.com/office/drawing/2010/main" xmlns="" w="9525">
+                  <a14:hiddenLine xmlns="" xmlns:a14="http://schemas.microsoft.com/office/drawing/2010/main" w="9525">
                     <a:solidFill>
                       <a:srgbClr val="000000"/>
                     </a:solidFill>
@@ -11889,7 +11888,7 @@
               </a:ln>
               <a:extLst>
                 <a:ext uri="{91240B29-F687-4f45-9708-019B960494DF}">
-                  <a14:hiddenLine xmlns:a14="http://schemas.microsoft.com/office/drawing/2010/main" xmlns="" w="9525">
+                  <a14:hiddenLine xmlns="" xmlns:a14="http://schemas.microsoft.com/office/drawing/2010/main" w="9525">
                     <a:solidFill>
                       <a:srgbClr val="000000"/>
                     </a:solidFill>
@@ -11979,7 +11978,7 @@
               </a:ln>
               <a:extLst>
                 <a:ext uri="{91240B29-F687-4f45-9708-019B960494DF}">
-                  <a14:hiddenLine xmlns:a14="http://schemas.microsoft.com/office/drawing/2010/main" xmlns="" w="9525">
+                  <a14:hiddenLine xmlns="" xmlns:a14="http://schemas.microsoft.com/office/drawing/2010/main" w="9525">
                     <a:solidFill>
                       <a:srgbClr val="000000"/>
                     </a:solidFill>
@@ -12047,7 +12046,7 @@
               </a:ln>
               <a:extLst>
                 <a:ext uri="{91240B29-F687-4f45-9708-019B960494DF}">
-                  <a14:hiddenLine xmlns:a14="http://schemas.microsoft.com/office/drawing/2010/main" xmlns="" w="9525">
+                  <a14:hiddenLine xmlns="" xmlns:a14="http://schemas.microsoft.com/office/drawing/2010/main" w="9525">
                     <a:solidFill>
                       <a:srgbClr val="000000"/>
                     </a:solidFill>
@@ -12137,7 +12136,7 @@
               </a:ln>
               <a:extLst>
                 <a:ext uri="{91240B29-F687-4f45-9708-019B960494DF}">
-                  <a14:hiddenLine xmlns:a14="http://schemas.microsoft.com/office/drawing/2010/main" xmlns="" w="9525">
+                  <a14:hiddenLine xmlns="" xmlns:a14="http://schemas.microsoft.com/office/drawing/2010/main" w="9525">
                     <a:solidFill>
                       <a:srgbClr val="000000"/>
                     </a:solidFill>
@@ -12171,7 +12170,7 @@
               </a:ln>
               <a:extLst>
                 <a:ext uri="{91240B29-F687-4f45-9708-019B960494DF}">
-                  <a14:hiddenLine xmlns:a14="http://schemas.microsoft.com/office/drawing/2010/main" xmlns="" w="9525">
+                  <a14:hiddenLine xmlns="" xmlns:a14="http://schemas.microsoft.com/office/drawing/2010/main" w="9525">
                     <a:solidFill>
                       <a:srgbClr val="000000"/>
                     </a:solidFill>
@@ -14956,13 +14955,6 @@
   <p:clrMapOvr>
     <a:masterClrMapping/>
   </p:clrMapOvr>
-  <p:timing>
-    <p:tnLst>
-      <p:par>
-        <p:cTn id="1" dur="indefinite" restart="never" nodeType="tmRoot"/>
-      </p:par>
-    </p:tnLst>
-  </p:timing>
 </p:sld>
 </file>
 
@@ -15076,13 +15068,13 @@
           <a:lstStyle/>
           <a:p>
             <a:r>
-              <a:rPr lang="en-US" sz="2000" dirty="0" smtClean="0"/>
+              <a:rPr lang="en-US" sz="2000" dirty="0"/>
               <a:t>This model has an accuracy of 94.44% which means that the model correctly predicts the discontinuation likelihood for the vast majority of the cases in the data set.</a:t>
             </a:r>
           </a:p>
           <a:p>
             <a:r>
-              <a:rPr lang="en-US" sz="2000" dirty="0" smtClean="0"/>
+              <a:rPr lang="en-US" sz="2000" dirty="0"/>
               <a:t>The business implication is that the model can potentially assist businesses in identifying cases where discontinuation is probable. By leveraging the predictions provided, businesses can take proactive measures to mitigate the factors contributing to discontinuation thereby enhancing customer satisfaction.</a:t>
             </a:r>
           </a:p>
@@ -15091,16 +15083,15 @@
           </a:p>
           <a:p>
             <a:r>
-              <a:rPr lang="en-US" sz="2400" u="sng" dirty="0" smtClean="0"/>
+              <a:rPr lang="en-US" sz="2400" u="sng" dirty="0"/>
               <a:t>Limitations of the model</a:t>
             </a:r>
           </a:p>
           <a:p>
             <a:r>
-              <a:rPr lang="en-US" sz="2000" dirty="0" smtClean="0"/>
+              <a:rPr lang="en-US" sz="2000" dirty="0"/>
               <a:t>While the accuracy is very high, there may be some cases where the predictions are incorrect. Further analysis of misclassified cases(false positives and false negatives), can provide more insights into areas where the model struggles.</a:t>
             </a:r>
-            <a:endParaRPr lang="en-US" sz="2000" dirty="0"/>
           </a:p>
         </p:txBody>
       </p:sp>
@@ -15114,13 +15105,6 @@
   <p:clrMapOvr>
     <a:masterClrMapping/>
   </p:clrMapOvr>
-  <p:timing>
-    <p:tnLst>
-      <p:par>
-        <p:cTn id="1" dur="indefinite" restart="never" nodeType="tmRoot"/>
-      </p:par>
-    </p:tnLst>
-  </p:timing>
 </p:sld>
 </file>
 
@@ -15170,10 +15154,9 @@
           <a:lstStyle/>
           <a:p>
             <a:r>
-              <a:rPr lang="en-US" sz="2400" dirty="0" smtClean="0"/>
+              <a:rPr lang="en-US" sz="2400" dirty="0"/>
               <a:t>Feedforward neural network</a:t>
             </a:r>
-            <a:endParaRPr lang="en-US" sz="2400" dirty="0"/>
           </a:p>
         </p:txBody>
       </p:sp>
@@ -15230,7 +15213,7 @@
           <a:lstStyle/>
           <a:p>
             <a:r>
-              <a:rPr lang="en-US" dirty="0" smtClean="0"/>
+              <a:rPr lang="en-US" dirty="0"/>
               <a:t>This model has an accuracy of 93.31%, therefore indicates that it performs well in classifying the data. This accuracy suggests that the model is effective in predicting the target variable(discontinuation likelihood), which in business context means that it can identify cases of potential discontinuation with high accuracy.</a:t>
             </a:r>
           </a:p>
@@ -15239,22 +15222,21 @@
           </a:p>
           <a:p>
             <a:r>
-              <a:rPr lang="en-US" sz="2400" u="sng" dirty="0" smtClean="0"/>
+              <a:rPr lang="en-US" sz="2400" u="sng" dirty="0"/>
               <a:t>Limitations of the model</a:t>
             </a:r>
           </a:p>
           <a:p>
             <a:r>
-              <a:rPr lang="en-US" dirty="0" smtClean="0"/>
+              <a:rPr lang="en-US" dirty="0"/>
               <a:t>It has a considerably high loss(22004.02), which indicates that the model might not be optimized effectively. A high loss value suggests that there is a discrepancy between the actual and predicted values which could affect the reliability of the models predictions.</a:t>
             </a:r>
           </a:p>
           <a:p>
             <a:r>
-              <a:rPr lang="en-US" dirty="0" smtClean="0"/>
+              <a:rPr lang="en-US" dirty="0"/>
               <a:t>Compared to the LSTM &amp; GRU models which achieved much higher accuracy and lower loss, the performance of feedforward neural network model is relatively inferior and it may not be able to capture the complex relationships present in the data.</a:t>
             </a:r>
-            <a:endParaRPr lang="en-US" dirty="0"/>
           </a:p>
         </p:txBody>
       </p:sp>
@@ -15268,13 +15250,6 @@
   <p:clrMapOvr>
     <a:masterClrMapping/>
   </p:clrMapOvr>
-  <p:timing>
-    <p:tnLst>
-      <p:par>
-        <p:cTn id="1" dur="indefinite" restart="never" nodeType="tmRoot"/>
-      </p:par>
-    </p:tnLst>
-  </p:timing>
 </p:sld>
 </file>
 
@@ -15324,26 +15299,25 @@
           <a:lstStyle/>
           <a:p>
             <a:r>
-              <a:rPr lang="en-US" sz="2400" dirty="0" smtClean="0"/>
+              <a:rPr lang="en-US" sz="2400" dirty="0"/>
               <a:t>Long short-term memory network(</a:t>
             </a:r>
             <a:r>
-              <a:rPr lang="en-US" sz="2400" dirty="0" err="1" smtClean="0"/>
+              <a:rPr lang="en-US" sz="2400" dirty="0" err="1"/>
               <a:t>lstm</a:t>
             </a:r>
             <a:r>
-              <a:rPr lang="en-US" sz="2400" dirty="0" smtClean="0"/>
+              <a:rPr lang="en-US" sz="2400" dirty="0"/>
               <a:t>) and a gated recurrent unit(</a:t>
             </a:r>
             <a:r>
-              <a:rPr lang="en-US" sz="2400" dirty="0" err="1" smtClean="0"/>
+              <a:rPr lang="en-US" sz="2400" dirty="0" err="1"/>
               <a:t>gru</a:t>
             </a:r>
             <a:r>
-              <a:rPr lang="en-US" sz="2400" dirty="0" smtClean="0"/>
+              <a:rPr lang="en-US" sz="2400" dirty="0"/>
               <a:t>)</a:t>
             </a:r>
-            <a:endParaRPr lang="en-US" sz="2400" dirty="0"/>
           </a:p>
         </p:txBody>
       </p:sp>
@@ -15430,10 +15404,9 @@
           <a:lstStyle/>
           <a:p>
             <a:r>
-              <a:rPr lang="en-US" sz="2400" dirty="0" smtClean="0"/>
+              <a:rPr lang="en-US" sz="2400" dirty="0"/>
               <a:t>Long Short-Term Memory Network </a:t>
             </a:r>
-            <a:endParaRPr lang="en-US" sz="2400" dirty="0"/>
           </a:p>
         </p:txBody>
       </p:sp>
@@ -15460,10 +15433,9 @@
           <a:lstStyle/>
           <a:p>
             <a:r>
-              <a:rPr lang="en-US" sz="2400" dirty="0" smtClean="0"/>
+              <a:rPr lang="en-US" sz="2400" dirty="0"/>
               <a:t>Gated Recurrent Unit</a:t>
             </a:r>
-            <a:endParaRPr lang="en-US" sz="2400" dirty="0"/>
           </a:p>
         </p:txBody>
       </p:sp>
@@ -15477,13 +15449,6 @@
   <p:clrMapOvr>
     <a:masterClrMapping/>
   </p:clrMapOvr>
-  <p:timing>
-    <p:tnLst>
-      <p:par>
-        <p:cTn id="1" dur="indefinite" restart="never" nodeType="tmRoot"/>
-      </p:par>
-    </p:tnLst>
-  </p:timing>
 </p:sld>
 </file>
 
@@ -15530,16 +15495,8 @@
               <a:buNone/>
             </a:pPr>
             <a:r>
-              <a:rPr lang="en-US" sz="2000" dirty="0" smtClean="0"/>
-              <a:t>The LSTM model has an accuracy of 99.92% and a loss value of 0.0023. The GRU has an accuracy of 99.92% and a loss value of 0.00229. </a:t>
-            </a:r>
-            <a:r>
               <a:rPr lang="en-US" sz="2000" dirty="0"/>
-              <a:t>B</a:t>
-            </a:r>
-            <a:r>
-              <a:rPr lang="en-US" sz="2000" dirty="0" smtClean="0"/>
-              <a:t>oth have generally high accuracy, therefore they can accurately classify the data during validation.</a:t>
+              <a:t>The LSTM model has an accuracy of 99.92% and a loss value of 0.0023. The GRU has an accuracy of 99.92% and a loss value of 0.00229. Both have generally high accuracy, therefore they can accurately classify the data during validation.</a:t>
             </a:r>
           </a:p>
           <a:p>
@@ -15547,7 +15504,7 @@
               <a:buNone/>
             </a:pPr>
             <a:r>
-              <a:rPr lang="en-US" sz="2000" dirty="0" smtClean="0"/>
+              <a:rPr lang="en-US" sz="2000" dirty="0"/>
               <a:t>They demonstrate strong generalization are likely to be reliable for making predictions in practice.</a:t>
             </a:r>
           </a:p>
@@ -15556,7 +15513,7 @@
               <a:buNone/>
             </a:pPr>
             <a:r>
-              <a:rPr lang="en-US" u="sng" dirty="0" smtClean="0"/>
+              <a:rPr lang="en-US" u="sng" dirty="0"/>
               <a:t>Limitations of the LSTM &amp; GRU models.</a:t>
             </a:r>
           </a:p>
@@ -15565,10 +15522,9 @@
               <a:buNone/>
             </a:pPr>
             <a:r>
-              <a:rPr lang="en-US" sz="2000" dirty="0" smtClean="0"/>
+              <a:rPr lang="en-US" sz="2000" dirty="0"/>
               <a:t>Potential overfitting – the small difference between training and validation accuracy(99.92%) suggests  that there is little to no overfitting. However, low validation loss(0.0023) indicates that the models are not memorizing training data but instead capturing general patterns.</a:t>
             </a:r>
-            <a:endParaRPr lang="en-US" sz="2000" dirty="0"/>
           </a:p>
         </p:txBody>
       </p:sp>
@@ -15582,13 +15538,6 @@
   <p:clrMapOvr>
     <a:masterClrMapping/>
   </p:clrMapOvr>
-  <p:timing>
-    <p:tnLst>
-      <p:par>
-        <p:cTn id="1" dur="indefinite" restart="never" nodeType="tmRoot"/>
-      </p:par>
-    </p:tnLst>
-  </p:timing>
 </p:sld>
 </file>
 
@@ -15633,10 +15582,9 @@
           <a:p>
             <a:pPr algn="ctr"/>
             <a:r>
-              <a:rPr lang="en-US" dirty="0" smtClean="0"/>
+              <a:rPr lang="en-US" dirty="0"/>
               <a:t>Overall limitations</a:t>
             </a:r>
-            <a:endParaRPr lang="en-US" dirty="0"/>
           </a:p>
         </p:txBody>
       </p:sp>
@@ -15661,25 +15609,25 @@
           <a:lstStyle/>
           <a:p>
             <a:r>
-              <a:rPr lang="en-US" sz="2000" dirty="0" smtClean="0"/>
+              <a:rPr lang="en-US" sz="2000" dirty="0"/>
               <a:t>Data quality -  we didn’t have enough data so we had to simulate others.</a:t>
             </a:r>
           </a:p>
           <a:p>
             <a:r>
-              <a:rPr lang="en-US" sz="2000" dirty="0" smtClean="0"/>
+              <a:rPr lang="en-US" sz="2000" dirty="0"/>
               <a:t>Assumptions -  we made some assumptions in our dataset which may not fully capture the real world clinical scenarios.</a:t>
             </a:r>
           </a:p>
           <a:p>
             <a:r>
-              <a:rPr lang="en-US" sz="2000" dirty="0" smtClean="0"/>
+              <a:rPr lang="en-US" sz="2000" dirty="0"/>
               <a:t>Ethical considerations and privacy issues.</a:t>
             </a:r>
           </a:p>
           <a:p>
             <a:r>
-              <a:rPr lang="en-US" sz="2000" dirty="0" smtClean="0"/>
+              <a:rPr lang="en-US" sz="2000" dirty="0"/>
               <a:t>Generalizability -  our data is limited to the population represented in the dataset. </a:t>
             </a:r>
           </a:p>
@@ -15688,31 +15636,31 @@
               <a:buNone/>
             </a:pPr>
             <a:r>
-              <a:rPr lang="en-US" dirty="0" smtClean="0"/>
+              <a:rPr lang="en-US" dirty="0"/>
               <a:t>Recommendations </a:t>
             </a:r>
           </a:p>
           <a:p>
             <a:r>
-              <a:rPr lang="en-US" sz="2000" dirty="0" smtClean="0"/>
+              <a:rPr lang="en-US" sz="2000" dirty="0"/>
               <a:t>More data so that we can make more accurate predictions about real world data.</a:t>
             </a:r>
           </a:p>
           <a:p>
             <a:r>
-              <a:rPr lang="en-US" sz="2000" dirty="0" smtClean="0"/>
+              <a:rPr lang="en-US" sz="2000" dirty="0"/>
               <a:t>Using domain knowledge we need an expert in the field for guidance.</a:t>
             </a:r>
           </a:p>
           <a:p>
             <a:r>
-              <a:rPr lang="en-US" sz="2000" dirty="0" smtClean="0"/>
+              <a:rPr lang="en-US" sz="2000" dirty="0"/>
               <a:t>More time to make consultations, to ensure that the model performs exceptionally.</a:t>
             </a:r>
           </a:p>
           <a:p>
             <a:r>
-              <a:rPr lang="en-US" sz="2000" dirty="0" smtClean="0"/>
+              <a:rPr lang="en-US" sz="2000" dirty="0"/>
               <a:t>Longitudinal data analytics, techniques like temporal trends, time dependent covariates and sequential patterns in HIV treatment and disease progression.</a:t>
             </a:r>
           </a:p>
@@ -15778,10 +15726,9 @@
           <a:p>
             <a:pPr algn="ctr"/>
             <a:r>
-              <a:rPr lang="en-US" dirty="0" smtClean="0"/>
+              <a:rPr lang="en-US" dirty="0"/>
               <a:t>Project outcomes</a:t>
             </a:r>
-            <a:endParaRPr lang="en-US" dirty="0"/>
           </a:p>
         </p:txBody>
       </p:sp>
@@ -15809,25 +15756,25 @@
               <a:buNone/>
             </a:pPr>
             <a:r>
-              <a:rPr lang="en-US" sz="2800" dirty="0" smtClean="0"/>
+              <a:rPr lang="en-US" sz="2800" dirty="0"/>
               <a:t>Stakeholder outcomes:</a:t>
             </a:r>
           </a:p>
           <a:p>
             <a:r>
-              <a:rPr lang="en-US" sz="2000" dirty="0" smtClean="0"/>
+              <a:rPr lang="en-US" sz="2000" dirty="0"/>
               <a:t>Enable health care providers to deliver more personalized and targeted interventions, enhancing the quality of care of HIV patients.</a:t>
             </a:r>
           </a:p>
           <a:p>
             <a:r>
-              <a:rPr lang="en-US" sz="2000" dirty="0" smtClean="0"/>
+              <a:rPr lang="en-US" sz="2000" dirty="0"/>
               <a:t>Patients to benefit from tailored interventions and to promote better adherence to treatment plans.</a:t>
             </a:r>
           </a:p>
           <a:p>
             <a:r>
-              <a:rPr lang="en-US" sz="2000" dirty="0" smtClean="0"/>
+              <a:rPr lang="en-US" sz="2000" dirty="0"/>
               <a:t>Optimized resource utilization in healthcare institutions, leading to improved efficiency.</a:t>
             </a:r>
           </a:p>
@@ -15836,34 +15783,33 @@
               <a:buNone/>
             </a:pPr>
             <a:r>
-              <a:rPr lang="en-US" sz="2800" dirty="0" smtClean="0"/>
+              <a:rPr lang="en-US" sz="2800" dirty="0"/>
               <a:t>Societal outcomes:</a:t>
             </a:r>
           </a:p>
           <a:p>
             <a:r>
-              <a:rPr lang="en-US" sz="2000" dirty="0" smtClean="0"/>
+              <a:rPr lang="en-US" sz="2000" dirty="0"/>
               <a:t>Improved patient adherence to treatment reduces the viral load in the body, and consequently reduces the risk of transmission within the community.</a:t>
             </a:r>
           </a:p>
           <a:p>
             <a:r>
-              <a:rPr lang="en-US" sz="2000" dirty="0" smtClean="0"/>
+              <a:rPr lang="en-US" sz="2000" dirty="0"/>
               <a:t>Enhanced risk stratification ensures that healthcare resources are distributed equitably, addressing health disparities among different groups.</a:t>
             </a:r>
           </a:p>
           <a:p>
             <a:r>
-              <a:rPr lang="en-US" sz="2000" dirty="0" smtClean="0"/>
+              <a:rPr lang="en-US" sz="2000" dirty="0"/>
               <a:t>Reduced costs associated with management of HIV patients due to fewer hospitalizations.</a:t>
             </a:r>
           </a:p>
           <a:p>
             <a:r>
-              <a:rPr lang="en-US" sz="2000" dirty="0" smtClean="0"/>
+              <a:rPr lang="en-US" sz="2000" dirty="0"/>
               <a:t>Successful implementation and adoption of advanced technologies in healthcare.</a:t>
             </a:r>
-            <a:endParaRPr lang="en-US" sz="2000" dirty="0"/>
           </a:p>
         </p:txBody>
       </p:sp>
@@ -15877,13 +15823,6 @@
   <p:clrMapOvr>
     <a:masterClrMapping/>
   </p:clrMapOvr>
-  <p:timing>
-    <p:tnLst>
-      <p:par>
-        <p:cTn id="1" dur="indefinite" restart="never" nodeType="tmRoot"/>
-      </p:par>
-    </p:tnLst>
-  </p:timing>
 </p:sld>
 </file>
 
@@ -15926,10 +15865,9 @@
           <a:p>
             <a:pPr algn="ctr"/>
             <a:r>
-              <a:rPr lang="en-US" dirty="0" smtClean="0"/>
+              <a:rPr lang="en-US" dirty="0"/>
               <a:t>conclusion.</a:t>
             </a:r>
-            <a:endParaRPr lang="en-US" dirty="0"/>
           </a:p>
         </p:txBody>
       </p:sp>
@@ -15957,7 +15895,7 @@
               <a:buNone/>
             </a:pPr>
             <a:r>
-              <a:rPr lang="en-US" dirty="0" smtClean="0"/>
+              <a:rPr lang="en-US" dirty="0"/>
               <a:t>In conclusion, the development and implementation of predictive models offers benefits to the society at large. This innovative approach has the potential to revolutionize patient care and contribute to broader public health objectives.</a:t>
             </a:r>
           </a:p>
@@ -15966,7 +15904,7 @@
               <a:buNone/>
             </a:pPr>
             <a:r>
-              <a:rPr lang="en-US" dirty="0" smtClean="0"/>
+              <a:rPr lang="en-US" dirty="0"/>
               <a:t>The successful implementation of this project can transform healthcare delivery, leveraging data-driven insights to tailor interventions and improve overall wellbeing of HIV patients.</a:t>
             </a:r>
           </a:p>
@@ -15975,10 +15913,9 @@
               <a:buNone/>
             </a:pPr>
             <a:r>
-              <a:rPr lang="en-US" dirty="0" smtClean="0"/>
+              <a:rPr lang="en-US" dirty="0"/>
               <a:t>The collaborative efforts and advancements made in healthcare analytics can pave way for similar initiatives, shaping the future of healthcare toward a more personalized, efficient and equitable system.</a:t>
             </a:r>
-            <a:endParaRPr lang="en-US" dirty="0"/>
           </a:p>
         </p:txBody>
       </p:sp>
@@ -15992,13 +15929,6 @@
   <p:clrMapOvr>
     <a:masterClrMapping/>
   </p:clrMapOvr>
-  <p:timing>
-    <p:tnLst>
-      <p:par>
-        <p:cTn id="1" dur="indefinite" restart="never" nodeType="tmRoot"/>
-      </p:par>
-    </p:tnLst>
-  </p:timing>
 </p:sld>
 </file>
 
@@ -16074,25 +16004,16 @@
             </a:pPr>
             <a:r>
               <a:rPr lang="en-US" dirty="0"/>
-              <a:t>In the realm of </a:t>
-            </a:r>
-            <a:r>
-              <a:rPr lang="en-US" dirty="0" smtClean="0"/>
-              <a:t>HIV care, uninterrupted continuation of Antiretroviral Treatment(ART) plays a pivotal role in ensuring positive health outcomes for patients. To address this, our challenge is to develop an advanced predictive model utilizing both machine learning and deep learning techniques.</a:t>
-            </a:r>
-            <a:endParaRPr lang="en-US" dirty="0"/>
+              <a:t>In the realm of HIV care, uninterrupted continuation of Antiretroviral Treatment(ART) plays a pivotal role in ensuring positive health outcomes for patients. To address this, our challenge is to develop an advanced predictive model utilizing both machine learning and deep learning techniques.</a:t>
+            </a:r>
           </a:p>
           <a:p>
             <a:pPr marL="0" indent="0">
               <a:buNone/>
             </a:pPr>
             <a:r>
-              <a:rPr lang="en-US" sz="3200" dirty="0" smtClean="0"/>
-              <a:t>Statement </a:t>
-            </a:r>
-            <a:r>
               <a:rPr lang="en-US" sz="3200" dirty="0"/>
-              <a:t>of the Problem</a:t>
+              <a:t>Statement of the Problem</a:t>
             </a:r>
             <a:r>
               <a:rPr lang="en-US" dirty="0"/>
@@ -16108,11 +16029,7 @@
           <a:p>
             <a:r>
               <a:rPr lang="en-US" dirty="0"/>
-              <a:t>This model aims to facilitate targeted interventions and resource allocations by healthcare providers to patients, improving patient outcomes and reducing the burden on the health care system</a:t>
-            </a:r>
-            <a:r>
-              <a:rPr lang="en-US" dirty="0" smtClean="0"/>
-              <a:t>.</a:t>
+              <a:t>This model aims to facilitate targeted interventions and resource allocations by healthcare providers to patients, improving patient outcomes and reducing the burden on the health care system.</a:t>
             </a:r>
           </a:p>
           <a:p>
@@ -16130,13 +16047,6 @@
   <p:clrMapOvr>
     <a:masterClrMapping/>
   </p:clrMapOvr>
-  <p:timing>
-    <p:tnLst>
-      <p:par>
-        <p:cTn id="1" dur="indefinite" restart="never" nodeType="tmRoot"/>
-      </p:par>
-    </p:tnLst>
-  </p:timing>
 </p:sld>
 </file>
 
@@ -16227,7 +16137,7 @@
           <a:p>
             <a:r>
               <a:rPr lang="en-US" dirty="0"/>
-              <a:t>Continuous model improvement -  regularly updating of the model to maintain relevance and accuracy, with ongoing data collection and evolving patient profiles.</a:t>
+              <a:t>Continuous model improvement -  regular updating of the model to maintain relevance and accuracy, with ongoing data collection and evolving patient profiles.</a:t>
             </a:r>
           </a:p>
           <a:p>
@@ -16245,13 +16155,6 @@
   <p:clrMapOvr>
     <a:masterClrMapping/>
   </p:clrMapOvr>
-  <p:timing>
-    <p:tnLst>
-      <p:par>
-        <p:cTn id="1" dur="indefinite" restart="never" nodeType="tmRoot"/>
-      </p:par>
-    </p:tnLst>
-  </p:timing>
 </p:sld>
 </file>
 
@@ -16324,7 +16227,7 @@
           <a:p>
             <a:r>
               <a:rPr lang="en-US" dirty="0"/>
-              <a:t>We used a synthetic dataset. It contains 15 variables of study, each offering valuable insight into which factors that may influence the likelihood of discontinuation of ART, but the key variables include; </a:t>
+              <a:t>We used a synthetic dataset. It contains 15 variables of study, each offering valuable insight into factors that may influence the likelihood of discontinuation of ART, but the key variables include; </a:t>
             </a:r>
           </a:p>
           <a:p>
@@ -16334,7 +16237,7 @@
             </a:pPr>
             <a:r>
               <a:rPr lang="en-US" dirty="0"/>
-              <a:t>Viral Load(VL) – the amount of HIV cells in the patients body.</a:t>
+              <a:t>Viral Load(VL) – the amount of HIV virus in the patients body.</a:t>
             </a:r>
           </a:p>
           <a:p>
@@ -16364,35 +16267,11 @@
             </a:pPr>
             <a:r>
               <a:rPr lang="en-US" dirty="0"/>
-              <a:t>Comp </a:t>
-            </a:r>
-            <a:r>
-              <a:rPr lang="en-US" dirty="0" smtClean="0"/>
-              <a:t>INI(Completion of </a:t>
-            </a:r>
-            <a:r>
-              <a:rPr lang="en-US" dirty="0"/>
-              <a:t>I</a:t>
-            </a:r>
-            <a:r>
-              <a:rPr lang="en-US" dirty="0" smtClean="0"/>
-              <a:t>nitial </a:t>
-            </a:r>
-            <a:r>
-              <a:rPr lang="en-US" dirty="0"/>
-              <a:t>T</a:t>
-            </a:r>
-            <a:r>
-              <a:rPr lang="en-US" dirty="0" smtClean="0"/>
-              <a:t>reatment), </a:t>
-            </a:r>
-            <a:r>
-              <a:rPr lang="en-US" dirty="0"/>
-              <a:t>Comp NNRTI(Non-</a:t>
+              <a:t>Comp INI(Completion of Initial Treatment), Comp NNRTI(Non-</a:t>
             </a:r>
             <a:r>
               <a:rPr lang="en-US" dirty="0" err="1"/>
-              <a:t>Neucloside</a:t>
+              <a:t>Neucleoside</a:t>
             </a:r>
             <a:r>
               <a:rPr lang="en-US" dirty="0"/>
@@ -16417,13 +16296,6 @@
   <p:clrMapOvr>
     <a:masterClrMapping/>
   </p:clrMapOvr>
-  <p:timing>
-    <p:tnLst>
-      <p:par>
-        <p:cTn id="1" dur="indefinite" restart="never" nodeType="tmRoot"/>
-      </p:par>
-    </p:tnLst>
-  </p:timing>
 </p:sld>
 </file>
 
@@ -16650,10 +16522,9 @@
           <a:p>
             <a:pPr algn="ctr"/>
             <a:r>
-              <a:rPr lang="en-US" sz="2800" dirty="0" smtClean="0"/>
+              <a:rPr lang="en-US" sz="2800" dirty="0"/>
               <a:t>METHODOLOGY</a:t>
             </a:r>
-            <a:endParaRPr lang="en-US" sz="2800" dirty="0"/>
           </a:p>
         </p:txBody>
       </p:sp>
@@ -16667,13 +16538,6 @@
   <p:clrMapOvr>
     <a:masterClrMapping/>
   </p:clrMapOvr>
-  <p:timing>
-    <p:tnLst>
-      <p:par>
-        <p:cTn id="1" dur="indefinite" restart="never" nodeType="tmRoot"/>
-      </p:par>
-    </p:tnLst>
-  </p:timing>
 </p:sld>
 </file>
 
@@ -16728,21 +16592,8 @@
           <a:p>
             <a:r>
               <a:rPr lang="en-US" dirty="0"/>
-              <a:t>Feature Engineering – a new column of ‘discontinuation likelihood’ was created from viral load, CD4, and Comp. </a:t>
-            </a:r>
-            <a:r>
-              <a:rPr lang="en-US" dirty="0" smtClean="0"/>
-              <a:t>INI(</a:t>
-            </a:r>
-            <a:r>
-              <a:rPr lang="en-US" dirty="0" smtClean="0"/>
-              <a:t>Completion of Initial Treatment</a:t>
-            </a:r>
-            <a:r>
-              <a:rPr lang="en-US" dirty="0" smtClean="0"/>
-              <a:t>).</a:t>
-            </a:r>
-            <a:endParaRPr lang="en-US" dirty="0"/>
+              <a:t>Feature Engineering – a new column of ‘discontinuation likelihood’ was created from viral load, CD4, and Comp. INI(Completion of Initial Treatment).</a:t>
+            </a:r>
           </a:p>
           <a:p>
             <a:r>
@@ -16762,13 +16613,6 @@
   <p:clrMapOvr>
     <a:masterClrMapping/>
   </p:clrMapOvr>
-  <p:timing>
-    <p:tnLst>
-      <p:par>
-        <p:cTn id="1" dur="indefinite" restart="never" nodeType="tmRoot"/>
-      </p:par>
-    </p:tnLst>
-  </p:timing>
 </p:sld>
 </file>
 
@@ -20907,13 +20751,6 @@
   <p:clrMapOvr>
     <a:masterClrMapping/>
   </p:clrMapOvr>
-  <p:timing>
-    <p:tnLst>
-      <p:par>
-        <p:cTn id="1" dur="indefinite" restart="never" nodeType="tmRoot"/>
-      </p:par>
-    </p:tnLst>
-  </p:timing>
 </p:sld>
 </file>
 
@@ -21289,13 +21126,6 @@
   <p:clrMapOvr>
     <a:masterClrMapping/>
   </p:clrMapOvr>
-  <p:timing>
-    <p:tnLst>
-      <p:par>
-        <p:cTn id="1" dur="indefinite" restart="never" nodeType="tmRoot"/>
-      </p:par>
-    </p:tnLst>
-  </p:timing>
 </p:sld>
 </file>
 
@@ -21450,19 +21280,8 @@
                 <a:effectLst/>
                 <a:latin typeface="+mj-lt"/>
               </a:rPr>
-              <a:t>False Negatives (FN): Similarly, false negatives represent instances where the model failed to identify patients at risk of discontinuing ART. While this could lead to missed opportunities for intervention, it's crucial to balance false negatives with false positives and overall model performance</a:t>
-            </a:r>
-            <a:r>
-              <a:rPr lang="en-US" b="0" dirty="0" smtClean="0">
-                <a:effectLst/>
-                <a:latin typeface="+mj-lt"/>
-              </a:rPr>
-              <a:t>.</a:t>
-            </a:r>
-            <a:endParaRPr lang="en-US" b="0" dirty="0">
-              <a:effectLst/>
-              <a:latin typeface="+mj-lt"/>
-            </a:endParaRPr>
+              <a:t>False Negatives (FN): Similarly, false negatives represent instances where the model failed to identify patients at risk of discontinuing ART. While this could lead to missed opportunities for intervention, it's crucial to balance false negatives with false positives and overall model performance.</a:t>
+            </a:r>
           </a:p>
         </p:txBody>
       </p:sp>
@@ -21476,13 +21295,6 @@
   <p:clrMapOvr>
     <a:masterClrMapping/>
   </p:clrMapOvr>
-  <p:timing>
-    <p:tnLst>
-      <p:par>
-        <p:cTn id="1" dur="indefinite" restart="never" nodeType="tmRoot"/>
-      </p:par>
-    </p:tnLst>
-  </p:timing>
 </p:sld>
 </file>
 
